--- a/PROYECTO/INFO2_PROYECTO.pptx
+++ b/PROYECTO/INFO2_PROYECTO.pptx
@@ -23,15 +23,16 @@
   <p:notesSz cx="6858000" cy="9144000"/>
   <p:embeddedFontLst>
     <p:embeddedFont>
-      <p:font typeface="Cascadia Code" panose="00000509000000000000" pitchFamily="49" charset="0"/>
+      <p:font typeface="Cascadia Code" panose="020B0609020000020004" pitchFamily="49" charset="0"/>
       <p:regular r:id="rId13"/>
+      <p:bold r:id="rId14"/>
     </p:embeddedFont>
     <p:embeddedFont>
-      <p:font typeface="Roboto" panose="02000000000000000000" pitchFamily="2" charset="0"/>
-      <p:regular r:id="rId14"/>
-      <p:bold r:id="rId15"/>
-      <p:italic r:id="rId16"/>
-      <p:boldItalic r:id="rId17"/>
+      <p:font typeface="Roboto" panose="020B0604020202020204" charset="0"/>
+      <p:regular r:id="rId15"/>
+      <p:bold r:id="rId16"/>
+      <p:italic r:id="rId17"/>
+      <p:boldItalic r:id="rId18"/>
     </p:embeddedFont>
   </p:embeddedFontLst>
   <p:defaultTextStyle>
@@ -6748,28 +6749,8 @@
             </a:pPr>
             <a:r>
               <a:rPr lang="es" sz="4400" b="1" dirty="0"/>
-              <a:t>Informática II</a:t>
-            </a:r>
-          </a:p>
-          <a:p>
-            <a:pPr marL="0" lvl="0" indent="0" algn="l" rtl="0">
-              <a:spcBef>
-                <a:spcPts val="0"/>
-              </a:spcBef>
-              <a:spcAft>
-                <a:spcPts val="0"/>
-              </a:spcAft>
-              <a:buNone/>
-            </a:pPr>
-            <a:r>
-              <a:rPr lang="es" sz="2400" b="1" dirty="0"/>
-              <a:t>(actualizado 17-</a:t>
-            </a:r>
-            <a:r>
-              <a:rPr lang="es-MX" sz="2400" b="1" dirty="0"/>
-              <a:t>marzo)</a:t>
-            </a:r>
-            <a:endParaRPr sz="2400" b="1" dirty="0"/>
+              <a:t>Taller de Informática</a:t>
+            </a:r>
           </a:p>
         </p:txBody>
       </p:sp>
@@ -6897,7 +6878,7 @@
             </a:pPr>
             <a:r>
               <a:rPr lang="es-MX" dirty="0"/>
-              <a:t>El proyecto final de Informática tiene una ponderación de 20 puntos de su calificación final.</a:t>
+              <a:t>El proyecto final de Informática se reemplazará por la evaluación parcial del segundo parcial.</a:t>
             </a:r>
           </a:p>
         </p:txBody>
@@ -7447,7 +7428,15 @@
             </a:pPr>
             <a:r>
               <a:rPr lang="es-MX" sz="2400" dirty="0"/>
-              <a:t>Investigar en equipos de tres el funcionamiento de una de las siguientes estructuras de datos: </a:t>
+              <a:t>Investigar en equipos de 2 </a:t>
+            </a:r>
+            <a:r>
+              <a:rPr lang="es-MX" sz="2400" dirty="0" err="1"/>
+              <a:t>ó</a:t>
+            </a:r>
+            <a:r>
+              <a:rPr lang="es-MX" sz="2400" dirty="0"/>
+              <a:t> 3 el funcionamiento de una de las siguientes estructuras de datos: </a:t>
             </a:r>
           </a:p>
           <a:p>
@@ -11578,7 +11567,7 @@
         <p:spPr>
           <a:xfrm>
             <a:off x="0" y="1041990"/>
-            <a:ext cx="9053623" cy="4524315"/>
+            <a:ext cx="9053623" cy="4154984"/>
           </a:xfrm>
           <a:prstGeom prst="rect">
             <a:avLst/>
@@ -11609,15 +11598,15 @@
             </a:r>
             <a:r>
               <a:rPr lang="en-US" sz="2400" dirty="0"/>
-              <a:t>24 de </a:t>
+              <a:t>8 de </a:t>
             </a:r>
             <a:r>
               <a:rPr lang="en-US" sz="2400" dirty="0" err="1"/>
-              <a:t>marzo</a:t>
+              <a:t>abril</a:t>
             </a:r>
             <a:r>
               <a:rPr lang="en-US" sz="2400" dirty="0"/>
-              <a:t> @ 11:59 PM</a:t>
+              <a:t> @ 6:30 AM</a:t>
             </a:r>
           </a:p>
           <a:p>
@@ -11630,11 +11619,11 @@
             </a:r>
             <a:r>
               <a:rPr lang="es-MX" sz="2400" dirty="0"/>
-              <a:t>El equipo deberá crear una presentación que cubra los temas especificados anteriormente. Se espera que ésta se entregue mediante algún archivo de tipo PPTX (o similar). El equipo deberá subir el archivo generado a Blackboard </a:t>
-            </a:r>
-            <a:r>
-              <a:rPr lang="es-MX" sz="2400" b="1" dirty="0"/>
-              <a:t>(INFO2_PROY-Presentacion y Código Fuente)</a:t>
+              <a:t>El equipo deberá crear una presentación que cubra los temas especificados anteriormente. Se espera que ésta se entregue mediante algún archivo de tipo PPTX (o similar). El equipo deberá subir el archivo generado a </a:t>
+            </a:r>
+            <a:r>
+              <a:rPr lang="es-MX" sz="2400" dirty="0" err="1"/>
+              <a:t>Canvas</a:t>
             </a:r>
             <a:r>
               <a:rPr lang="es-MX" sz="2400" dirty="0"/>
@@ -11651,7 +11640,15 @@
             </a:r>
             <a:r>
               <a:rPr lang="es-MX" sz="2400" dirty="0"/>
-              <a:t>El código fuente utilizado para su demo deberá ser entregado mediante Blackboard. Confirma que el código funcione correctamente y tenga comentarios relevantes.</a:t>
+              <a:t>El código fuente utilizado para su demo deberá ser entregado mediante </a:t>
+            </a:r>
+            <a:r>
+              <a:rPr lang="es-MX" sz="2400" dirty="0" err="1"/>
+              <a:t>Canvas</a:t>
+            </a:r>
+            <a:r>
+              <a:rPr lang="es-MX" sz="2400" dirty="0"/>
+              <a:t>. Confirma que el código funcione correctamente y tenga comentarios relevantes.</a:t>
             </a:r>
             <a:endParaRPr lang="es-MX" sz="2400" b="1" dirty="0"/>
           </a:p>
@@ -11966,7 +11963,7 @@
                   <a:schemeClr val="bg1"/>
                 </a:solidFill>
               </a:rPr>
-              <a:t>Subir</a:t>
+              <a:t>Presentación</a:t>
             </a:r>
             <a:r>
               <a:rPr lang="en-US" sz="3000" b="1" dirty="0">
@@ -11974,7 +11971,7 @@
                   <a:schemeClr val="bg1"/>
                 </a:solidFill>
               </a:rPr>
-              <a:t> a </a:t>
+              <a:t> </a:t>
             </a:r>
             <a:r>
               <a:rPr lang="en-US" sz="3000" b="1" dirty="0" err="1">
@@ -11982,7 +11979,23 @@
                   <a:schemeClr val="bg1"/>
                 </a:solidFill>
               </a:rPr>
-              <a:t>Youtube</a:t>
+              <a:t>en</a:t>
+            </a:r>
+            <a:r>
+              <a:rPr lang="en-US" sz="3000" b="1" dirty="0">
+                <a:solidFill>
+                  <a:schemeClr val="bg1"/>
+                </a:solidFill>
+              </a:rPr>
+              <a:t> </a:t>
+            </a:r>
+            <a:r>
+              <a:rPr lang="en-US" sz="3000" b="1" dirty="0" err="1">
+                <a:solidFill>
+                  <a:schemeClr val="bg1"/>
+                </a:solidFill>
+              </a:rPr>
+              <a:t>Clase</a:t>
             </a:r>
             <a:endParaRPr lang="es-MX" sz="3000" b="1" dirty="0">
               <a:solidFill>
@@ -12007,7 +12020,7 @@
         <p:spPr>
           <a:xfrm>
             <a:off x="0" y="893134"/>
-            <a:ext cx="9101470" cy="3785652"/>
+            <a:ext cx="9101470" cy="2616101"/>
           </a:xfrm>
           <a:prstGeom prst="rect">
             <a:avLst/>
@@ -12038,15 +12051,23 @@
             </a:r>
             <a:r>
               <a:rPr lang="en-US" sz="2000" dirty="0"/>
-              <a:t>24 de </a:t>
+              <a:t>8 de </a:t>
             </a:r>
             <a:r>
               <a:rPr lang="en-US" sz="2000" dirty="0" err="1"/>
-              <a:t>marzo</a:t>
+              <a:t>abril</a:t>
             </a:r>
             <a:r>
               <a:rPr lang="en-US" sz="2000" dirty="0"/>
-              <a:t> @ 11:59 AM</a:t>
+              <a:t> </a:t>
+            </a:r>
+            <a:r>
+              <a:rPr lang="en-US" sz="2000"/>
+              <a:t>@ 7:00 </a:t>
+            </a:r>
+            <a:r>
+              <a:rPr lang="en-US" sz="2000" dirty="0"/>
+              <a:t>AM</a:t>
             </a:r>
           </a:p>
           <a:p>
@@ -12059,55 +12080,17 @@
             </a:r>
             <a:r>
               <a:rPr lang="es-MX" sz="2000" dirty="0"/>
-              <a:t>El equipo deberá subir a YouTube un video de máximo 15 minutos exponiendo el tema asignado. Todos los integrantes del equipo deben participar equitativamente. </a:t>
-            </a:r>
-            <a:r>
-              <a:rPr lang="es-MX" sz="2000" u="sng" dirty="0"/>
-              <a:t>Eviten utilizar contenido protegido por derechos de autor, esto puede causar que sus videos no sean reproducibles.</a:t>
-            </a:r>
-            <a:endParaRPr lang="es-MX" sz="2000" dirty="0"/>
+              <a:t>El equipo deberá realizar una presentación de máximo 12 minutos exponiendo el tema asignado. Todos los integrantes del equipo deben participar equitativamente. </a:t>
+            </a:r>
           </a:p>
           <a:p>
             <a:r>
               <a:rPr lang="es-MX" sz="2000" dirty="0"/>
-              <a:t>Para la demo de su programa, pueden grabar su pantalla o utilizar capturas de pantalla. </a:t>
-            </a:r>
-          </a:p>
-          <a:p>
-            <a:r>
-              <a:rPr lang="es-MX" sz="2000" dirty="0"/>
-              <a:t>Mediante </a:t>
-            </a:r>
-            <a:r>
-              <a:rPr lang="es-MX" sz="2000" dirty="0" err="1"/>
-              <a:t>BlackBoard</a:t>
-            </a:r>
-            <a:r>
-              <a:rPr lang="es-MX" sz="2000" dirty="0"/>
-              <a:t>, deberán entregar la liga al video </a:t>
-            </a:r>
-            <a:r>
-              <a:rPr lang="es-MX" sz="2000" b="1" dirty="0"/>
-              <a:t>(INFO2_PROY-Video)</a:t>
-            </a:r>
-            <a:r>
-              <a:rPr lang="es-MX" sz="2000" dirty="0"/>
-              <a:t>.</a:t>
+              <a:t>Para el demo de su programa, pueden grabar su pantalla o utilizar capturas de pantalla. </a:t>
             </a:r>
           </a:p>
           <a:p>
             <a:endParaRPr lang="es-MX" sz="2000" dirty="0"/>
-          </a:p>
-          <a:p>
-            <a:r>
-              <a:rPr lang="es-MX" sz="2000" b="1" dirty="0"/>
-              <a:t>Presentación: </a:t>
-            </a:r>
-            <a:r>
-              <a:rPr lang="es-MX" sz="2000" dirty="0"/>
-              <a:t>Durante la hora de clase, el profesor reproducirá los videos al grupo mediante la plataforma Zoom.</a:t>
-            </a:r>
-            <a:endParaRPr lang="es-MX" sz="2000" b="1" dirty="0"/>
           </a:p>
         </p:txBody>
       </p:sp>
@@ -12312,104 +12295,6 @@
                       </p:childTnLst>
                     </p:cTn>
                   </p:par>
-                  <p:par>
-                    <p:cTn id="15" fill="hold">
-                      <p:stCondLst>
-                        <p:cond delay="indefinite"/>
-                      </p:stCondLst>
-                      <p:childTnLst>
-                        <p:par>
-                          <p:cTn id="16" fill="hold">
-                            <p:stCondLst>
-                              <p:cond delay="0"/>
-                            </p:stCondLst>
-                            <p:childTnLst>
-                              <p:par>
-                                <p:cTn id="17" presetID="1" presetClass="entr" presetSubtype="0" fill="hold" nodeType="clickEffect">
-                                  <p:stCondLst>
-                                    <p:cond delay="0"/>
-                                  </p:stCondLst>
-                                  <p:childTnLst>
-                                    <p:set>
-                                      <p:cBhvr>
-                                        <p:cTn id="18" dur="1" fill="hold">
-                                          <p:stCondLst>
-                                            <p:cond delay="0"/>
-                                          </p:stCondLst>
-                                        </p:cTn>
-                                        <p:tgtEl>
-                                          <p:spTgt spid="2">
-                                            <p:txEl>
-                                              <p:pRg st="4" end="4"/>
-                                            </p:txEl>
-                                          </p:spTgt>
-                                        </p:tgtEl>
-                                        <p:attrNameLst>
-                                          <p:attrName>style.visibility</p:attrName>
-                                        </p:attrNameLst>
-                                      </p:cBhvr>
-                                      <p:to>
-                                        <p:strVal val="visible"/>
-                                      </p:to>
-                                    </p:set>
-                                  </p:childTnLst>
-                                </p:cTn>
-                              </p:par>
-                            </p:childTnLst>
-                          </p:cTn>
-                        </p:par>
-                      </p:childTnLst>
-                    </p:cTn>
-                  </p:par>
-                  <p:par>
-                    <p:cTn id="19" fill="hold">
-                      <p:stCondLst>
-                        <p:cond delay="indefinite"/>
-                      </p:stCondLst>
-                      <p:childTnLst>
-                        <p:par>
-                          <p:cTn id="20" fill="hold">
-                            <p:stCondLst>
-                              <p:cond delay="0"/>
-                            </p:stCondLst>
-                            <p:childTnLst>
-                              <p:par>
-                                <p:cTn id="21" presetID="1" presetClass="entr" presetSubtype="0" fill="hold" nodeType="clickEffect">
-                                  <p:stCondLst>
-                                    <p:cond delay="0"/>
-                                  </p:stCondLst>
-                                  <p:childTnLst>
-                                    <p:set>
-                                      <p:cBhvr>
-                                        <p:cTn id="22" dur="1" fill="hold">
-                                          <p:stCondLst>
-                                            <p:cond delay="0"/>
-                                          </p:stCondLst>
-                                        </p:cTn>
-                                        <p:tgtEl>
-                                          <p:spTgt spid="2">
-                                            <p:txEl>
-                                              <p:pRg st="6" end="6"/>
-                                            </p:txEl>
-                                          </p:spTgt>
-                                        </p:tgtEl>
-                                        <p:attrNameLst>
-                                          <p:attrName>style.visibility</p:attrName>
-                                        </p:attrNameLst>
-                                      </p:cBhvr>
-                                      <p:to>
-                                        <p:strVal val="visible"/>
-                                      </p:to>
-                                    </p:set>
-                                  </p:childTnLst>
-                                </p:cTn>
-                              </p:par>
-                            </p:childTnLst>
-                          </p:cTn>
-                        </p:par>
-                      </p:childTnLst>
-                    </p:cTn>
-                  </p:par>
                 </p:childTnLst>
               </p:cTn>
               <p:prevCondLst>
@@ -12623,15 +12508,15 @@
             </a:r>
             <a:r>
               <a:rPr lang="en-US" sz="2400" dirty="0"/>
-              <a:t>24 de </a:t>
+              <a:t>8 de </a:t>
             </a:r>
             <a:r>
               <a:rPr lang="en-US" sz="2400" dirty="0" err="1"/>
-              <a:t>marzo</a:t>
+              <a:t>abril</a:t>
             </a:r>
             <a:r>
               <a:rPr lang="en-US" sz="2400" dirty="0"/>
-              <a:t> @ 11:59 PM</a:t>
+              <a:t> @ 6:30 AM</a:t>
             </a:r>
           </a:p>
           <a:p>
@@ -12652,7 +12537,7 @@
             </a:r>
             <a:r>
               <a:rPr lang="es-MX" sz="2400" dirty="0"/>
-              <a:t> un documento de Excel que contenga de 3 a 5 preguntas de opción múltiple, con sus respectivas respuestas y opciones.</a:t>
+              <a:t> un documento de Excel que contenga de 3 preguntas de opción múltiple, con sus respectivas respuestas y opciones.</a:t>
             </a:r>
           </a:p>
           <a:p>
@@ -12665,7 +12550,15 @@
             </a:r>
             <a:r>
               <a:rPr lang="es-MX" sz="2400" dirty="0"/>
-              <a:t>Al terminar todas las exposiciones, el profesor habilitará una evaluación rápida en Blackboard, compuesta por las evaluaciones de todos los equipos. Cada uno de los alumnos deberá responderla.</a:t>
+              <a:t>Al terminar todas las exposiciones, el profesor habilitará una evaluación rápida en </a:t>
+            </a:r>
+            <a:r>
+              <a:rPr lang="es-MX" sz="2400" dirty="0" err="1"/>
+              <a:t>Canvas</a:t>
+            </a:r>
+            <a:r>
+              <a:rPr lang="es-MX" sz="2400" dirty="0"/>
+              <a:t>, compuesta por las evaluaciones de todos los equipos. Cada uno de los alumnos deberá responderla individualmente.</a:t>
             </a:r>
             <a:endParaRPr lang="es-MX" sz="2400" b="1" dirty="0"/>
           </a:p>

--- a/PROYECTO/INFO2_PROYECTO.pptx
+++ b/PROYECTO/INFO2_PROYECTO.pptx
@@ -10567,12 +10567,20 @@
           <a:p>
             <a:pPr algn="ctr"/>
             <a:r>
+              <a:rPr lang="en-US" sz="2000" dirty="0" err="1">
+                <a:solidFill>
+                  <a:schemeClr val="bg1"/>
+                </a:solidFill>
+              </a:rPr>
+              <a:t>Exponer</a:t>
+            </a:r>
+            <a:r>
               <a:rPr lang="en-US" sz="2000" dirty="0">
                 <a:solidFill>
                   <a:schemeClr val="bg1"/>
                 </a:solidFill>
               </a:rPr>
-              <a:t>Grabar la </a:t>
+              <a:t> el Proyecto </a:t>
             </a:r>
             <a:r>
               <a:rPr lang="en-US" sz="2000" dirty="0" err="1">
@@ -10580,7 +10588,7 @@
                   <a:schemeClr val="bg1"/>
                 </a:solidFill>
               </a:rPr>
-              <a:t>exposición</a:t>
+              <a:t>frente</a:t>
             </a:r>
             <a:r>
               <a:rPr lang="en-US" sz="2000" dirty="0">
@@ -10588,7 +10596,7 @@
                   <a:schemeClr val="bg1"/>
                 </a:solidFill>
               </a:rPr>
-              <a:t> de </a:t>
+              <a:t> al </a:t>
             </a:r>
             <a:r>
               <a:rPr lang="en-US" sz="2000" dirty="0" err="1">
@@ -10596,55 +10604,7 @@
                   <a:schemeClr val="bg1"/>
                 </a:solidFill>
               </a:rPr>
-              <a:t>su</a:t>
-            </a:r>
-            <a:r>
-              <a:rPr lang="en-US" sz="2000" dirty="0">
-                <a:solidFill>
-                  <a:schemeClr val="bg1"/>
-                </a:solidFill>
-              </a:rPr>
-              <a:t> </a:t>
-            </a:r>
-            <a:r>
-              <a:rPr lang="en-US" sz="2000" dirty="0" err="1">
-                <a:solidFill>
-                  <a:schemeClr val="bg1"/>
-                </a:solidFill>
-              </a:rPr>
-              <a:t>tema</a:t>
-            </a:r>
-            <a:r>
-              <a:rPr lang="en-US" sz="2000" dirty="0">
-                <a:solidFill>
-                  <a:schemeClr val="bg1"/>
-                </a:solidFill>
-              </a:rPr>
-              <a:t> y </a:t>
-            </a:r>
-            <a:r>
-              <a:rPr lang="en-US" sz="2000" dirty="0" err="1">
-                <a:solidFill>
-                  <a:schemeClr val="bg1"/>
-                </a:solidFill>
-              </a:rPr>
-              <a:t>subirlo</a:t>
-            </a:r>
-            <a:r>
-              <a:rPr lang="en-US" sz="2000" dirty="0">
-                <a:solidFill>
-                  <a:schemeClr val="bg1"/>
-                </a:solidFill>
-              </a:rPr>
-              <a:t> a </a:t>
-            </a:r>
-            <a:r>
-              <a:rPr lang="en-US" sz="2000" dirty="0" err="1">
-                <a:solidFill>
-                  <a:schemeClr val="bg1"/>
-                </a:solidFill>
-              </a:rPr>
-              <a:t>Youtube</a:t>
+              <a:t>grupo</a:t>
             </a:r>
             <a:r>
               <a:rPr lang="en-US" sz="2000" dirty="0">
